--- a/reports/JAN2026/Monthly_Issue_Insights_JAN2026.pptx
+++ b/reports/JAN2026/Monthly_Issue_Insights_JAN2026.pptx
@@ -3241,14 +3241,14 @@
           <a:lstStyle/>
           <a:p>
             <a:r>
-              <a:t>issue distribution</a:t>
+              <a:t>issue distribution JAN2026</a:t>
             </a:r>
           </a:p>
         </p:txBody>
       </p:sp>
       <p:pic>
         <p:nvPicPr>
-          <p:cNvPr id="3" name="Picture 2" descr="issue_distribution.png"/>
+          <p:cNvPr id="3" name="Picture 2" descr="issue_distribution_JAN2026.png"/>
           <p:cNvPicPr>
             <a:picLocks noChangeAspect="1"/>
           </p:cNvPicPr>
@@ -3263,7 +3263,7 @@
         <p:spPr>
           <a:xfrm>
             <a:off x="914400" y="1371600"/>
-            <a:ext cx="6583680" cy="4114800"/>
+            <a:ext cx="6858000" cy="4114800"/>
           </a:xfrm>
           <a:prstGeom prst="rect">
             <a:avLst/>
@@ -3304,14 +3304,14 @@
           <a:lstStyle/>
           <a:p>
             <a:r>
-              <a:t>engineer workload</a:t>
+              <a:t>engineer workload JAN2026</a:t>
             </a:r>
           </a:p>
         </p:txBody>
       </p:sp>
       <p:pic>
         <p:nvPicPr>
-          <p:cNvPr id="3" name="Picture 2" descr="engineer_workload.png"/>
+          <p:cNvPr id="3" name="Picture 2" descr="engineer_workload_JAN2026.png"/>
           <p:cNvPicPr>
             <a:picLocks noChangeAspect="1"/>
           </p:cNvPicPr>
@@ -3326,7 +3326,7 @@
         <p:spPr>
           <a:xfrm>
             <a:off x="914400" y="1371600"/>
-            <a:ext cx="7406640" cy="4114800"/>
+            <a:ext cx="6858000" cy="4114800"/>
           </a:xfrm>
           <a:prstGeom prst="rect">
             <a:avLst/>
@@ -3367,14 +3367,14 @@
           <a:lstStyle/>
           <a:p>
             <a:r>
-              <a:t>daily trend</a:t>
+              <a:t>daily trend JAN2026</a:t>
             </a:r>
           </a:p>
         </p:txBody>
       </p:sp>
       <p:pic>
         <p:nvPicPr>
-          <p:cNvPr id="3" name="Picture 2" descr="daily_trend.png"/>
+          <p:cNvPr id="3" name="Picture 2" descr="daily_trend_JAN2026.png"/>
           <p:cNvPicPr>
             <a:picLocks noChangeAspect="1"/>
           </p:cNvPicPr>
@@ -3389,7 +3389,7 @@
         <p:spPr>
           <a:xfrm>
             <a:off x="914400" y="1371600"/>
-            <a:ext cx="8229600" cy="4114800"/>
+            <a:ext cx="6858000" cy="4114800"/>
           </a:xfrm>
           <a:prstGeom prst="rect">
             <a:avLst/>
